--- a/SEO/SEO方案分享.pptx
+++ b/SEO/SEO方案分享.pptx
@@ -5473,7 +5473,7 @@
         <a:spcBef>
           <a:spcPts val="1000"/>
         </a:spcBef>
-        <a:buFont typeface="Arial" panose="020B0604020202020204" pitchFamily="34" charset="0"/>
+        <a:buFont typeface="Arial" panose="020B0604020202090204" pitchFamily="34" charset="0"/>
         <a:buChar char="•"/>
         <a:defRPr sz="2800" kern="1200">
           <a:solidFill>
@@ -5491,7 +5491,7 @@
         <a:spcBef>
           <a:spcPts val="500"/>
         </a:spcBef>
-        <a:buFont typeface="Arial" panose="020B0604020202020204" pitchFamily="34" charset="0"/>
+        <a:buFont typeface="Arial" panose="020B0604020202090204" pitchFamily="34" charset="0"/>
         <a:buChar char="•"/>
         <a:defRPr sz="2400" kern="1200">
           <a:solidFill>
@@ -5509,7 +5509,7 @@
         <a:spcBef>
           <a:spcPts val="500"/>
         </a:spcBef>
-        <a:buFont typeface="Arial" panose="020B0604020202020204" pitchFamily="34" charset="0"/>
+        <a:buFont typeface="Arial" panose="020B0604020202090204" pitchFamily="34" charset="0"/>
         <a:buChar char="•"/>
         <a:defRPr sz="2000" kern="1200">
           <a:solidFill>
@@ -5527,7 +5527,7 @@
         <a:spcBef>
           <a:spcPts val="500"/>
         </a:spcBef>
-        <a:buFont typeface="Arial" panose="020B0604020202020204" pitchFamily="34" charset="0"/>
+        <a:buFont typeface="Arial" panose="020B0604020202090204" pitchFamily="34" charset="0"/>
         <a:buChar char="•"/>
         <a:defRPr sz="1800" kern="1200">
           <a:solidFill>
@@ -5545,7 +5545,7 @@
         <a:spcBef>
           <a:spcPts val="500"/>
         </a:spcBef>
-        <a:buFont typeface="Arial" panose="020B0604020202020204" pitchFamily="34" charset="0"/>
+        <a:buFont typeface="Arial" panose="020B0604020202090204" pitchFamily="34" charset="0"/>
         <a:buChar char="•"/>
         <a:defRPr sz="1800" kern="1200">
           <a:solidFill>
@@ -5563,7 +5563,7 @@
         <a:spcBef>
           <a:spcPts val="500"/>
         </a:spcBef>
-        <a:buFont typeface="Arial" panose="020B0604020202020204" pitchFamily="34" charset="0"/>
+        <a:buFont typeface="Arial" panose="020B0604020202090204" pitchFamily="34" charset="0"/>
         <a:buChar char="•"/>
         <a:defRPr sz="1800" kern="1200">
           <a:solidFill>
@@ -5581,7 +5581,7 @@
         <a:spcBef>
           <a:spcPts val="500"/>
         </a:spcBef>
-        <a:buFont typeface="Arial" panose="020B0604020202020204" pitchFamily="34" charset="0"/>
+        <a:buFont typeface="Arial" panose="020B0604020202090204" pitchFamily="34" charset="0"/>
         <a:buChar char="•"/>
         <a:defRPr sz="1800" kern="1200">
           <a:solidFill>
@@ -5599,7 +5599,7 @@
         <a:spcBef>
           <a:spcPts val="500"/>
         </a:spcBef>
-        <a:buFont typeface="Arial" panose="020B0604020202020204" pitchFamily="34" charset="0"/>
+        <a:buFont typeface="Arial" panose="020B0604020202090204" pitchFamily="34" charset="0"/>
         <a:buChar char="•"/>
         <a:defRPr sz="1800" kern="1200">
           <a:solidFill>
@@ -5617,7 +5617,7 @@
         <a:spcBef>
           <a:spcPts val="500"/>
         </a:spcBef>
-        <a:buFont typeface="Arial" panose="020B0604020202020204" pitchFamily="34" charset="0"/>
+        <a:buFont typeface="Arial" panose="020B0604020202090204" pitchFamily="34" charset="0"/>
         <a:buChar char="•"/>
         <a:defRPr sz="1800" kern="1200">
           <a:solidFill>
@@ -6010,7 +6010,7 @@
         <a:spcBef>
           <a:spcPts val="1000"/>
         </a:spcBef>
-        <a:buFont typeface="Arial" panose="020B0604020202020204" pitchFamily="34" charset="0"/>
+        <a:buFont typeface="Arial" panose="020B0604020202090204" pitchFamily="34" charset="0"/>
         <a:buChar char="•"/>
         <a:defRPr sz="2800" kern="1200">
           <a:solidFill>
@@ -6028,7 +6028,7 @@
         <a:spcBef>
           <a:spcPts val="500"/>
         </a:spcBef>
-        <a:buFont typeface="Arial" panose="020B0604020202020204" pitchFamily="34" charset="0"/>
+        <a:buFont typeface="Arial" panose="020B0604020202090204" pitchFamily="34" charset="0"/>
         <a:buChar char="•"/>
         <a:defRPr sz="2400" kern="1200">
           <a:solidFill>
@@ -6046,7 +6046,7 @@
         <a:spcBef>
           <a:spcPts val="500"/>
         </a:spcBef>
-        <a:buFont typeface="Arial" panose="020B0604020202020204" pitchFamily="34" charset="0"/>
+        <a:buFont typeface="Arial" panose="020B0604020202090204" pitchFamily="34" charset="0"/>
         <a:buChar char="•"/>
         <a:defRPr sz="2000" kern="1200">
           <a:solidFill>
@@ -6064,7 +6064,7 @@
         <a:spcBef>
           <a:spcPts val="500"/>
         </a:spcBef>
-        <a:buFont typeface="Arial" panose="020B0604020202020204" pitchFamily="34" charset="0"/>
+        <a:buFont typeface="Arial" panose="020B0604020202090204" pitchFamily="34" charset="0"/>
         <a:buChar char="•"/>
         <a:defRPr sz="1800" kern="1200">
           <a:solidFill>
@@ -6082,7 +6082,7 @@
         <a:spcBef>
           <a:spcPts val="500"/>
         </a:spcBef>
-        <a:buFont typeface="Arial" panose="020B0604020202020204" pitchFamily="34" charset="0"/>
+        <a:buFont typeface="Arial" panose="020B0604020202090204" pitchFamily="34" charset="0"/>
         <a:buChar char="•"/>
         <a:defRPr sz="1800" kern="1200">
           <a:solidFill>
@@ -6100,7 +6100,7 @@
         <a:spcBef>
           <a:spcPts val="500"/>
         </a:spcBef>
-        <a:buFont typeface="Arial" panose="020B0604020202020204" pitchFamily="34" charset="0"/>
+        <a:buFont typeface="Arial" panose="020B0604020202090204" pitchFamily="34" charset="0"/>
         <a:buChar char="•"/>
         <a:defRPr sz="1800" kern="1200">
           <a:solidFill>
@@ -6118,7 +6118,7 @@
         <a:spcBef>
           <a:spcPts val="500"/>
         </a:spcBef>
-        <a:buFont typeface="Arial" panose="020B0604020202020204" pitchFamily="34" charset="0"/>
+        <a:buFont typeface="Arial" panose="020B0604020202090204" pitchFamily="34" charset="0"/>
         <a:buChar char="•"/>
         <a:defRPr sz="1800" kern="1200">
           <a:solidFill>
@@ -6136,7 +6136,7 @@
         <a:spcBef>
           <a:spcPts val="500"/>
         </a:spcBef>
-        <a:buFont typeface="Arial" panose="020B0604020202020204" pitchFamily="34" charset="0"/>
+        <a:buFont typeface="Arial" panose="020B0604020202090204" pitchFamily="34" charset="0"/>
         <a:buChar char="•"/>
         <a:defRPr sz="1800" kern="1200">
           <a:solidFill>
@@ -6154,7 +6154,7 @@
         <a:spcBef>
           <a:spcPts val="500"/>
         </a:spcBef>
-        <a:buFont typeface="Arial" panose="020B0604020202020204" pitchFamily="34" charset="0"/>
+        <a:buFont typeface="Arial" panose="020B0604020202090204" pitchFamily="34" charset="0"/>
         <a:buChar char="•"/>
         <a:defRPr sz="1800" kern="1200">
           <a:solidFill>
@@ -10429,7 +10429,7 @@
             <a:endParaRPr lang="zh-CN" altLang="en-US" sz="1600" kern="0" dirty="0">
               <a:latin typeface="宋体" panose="02010600030101010101" pitchFamily="2" charset="-122"/>
               <a:ea typeface="幼圆"/>
-              <a:cs typeface="Arial" panose="020B0604020202020204" pitchFamily="34" charset="0"/>
+              <a:cs typeface="Arial" panose="020B0604020202090204" pitchFamily="34" charset="0"/>
             </a:endParaRPr>
           </a:p>
         </p:txBody>
@@ -10486,7 +10486,7 @@
               <a:spcBef>
                 <a:spcPts val="1000"/>
               </a:spcBef>
-              <a:buFont typeface="Arial" panose="020B0604020202020204" pitchFamily="34" charset="0"/>
+              <a:buFont typeface="Arial" panose="020B0604020202090204" pitchFamily="34" charset="0"/>
               <a:buChar char="•"/>
               <a:defRPr sz="2800">
                 <a:solidFill>
@@ -10503,7 +10503,7 @@
               <a:spcBef>
                 <a:spcPts val="500"/>
               </a:spcBef>
-              <a:buFont typeface="Arial" panose="020B0604020202020204" pitchFamily="34" charset="0"/>
+              <a:buFont typeface="Arial" panose="020B0604020202090204" pitchFamily="34" charset="0"/>
               <a:buChar char="•"/>
               <a:defRPr sz="2400">
                 <a:solidFill>
@@ -10520,7 +10520,7 @@
               <a:spcBef>
                 <a:spcPts val="500"/>
               </a:spcBef>
-              <a:buFont typeface="Arial" panose="020B0604020202020204" pitchFamily="34" charset="0"/>
+              <a:buFont typeface="Arial" panose="020B0604020202090204" pitchFamily="34" charset="0"/>
               <a:buChar char="•"/>
               <a:defRPr sz="2000">
                 <a:solidFill>
@@ -10537,7 +10537,7 @@
               <a:spcBef>
                 <a:spcPts val="500"/>
               </a:spcBef>
-              <a:buFont typeface="Arial" panose="020B0604020202020204" pitchFamily="34" charset="0"/>
+              <a:buFont typeface="Arial" panose="020B0604020202090204" pitchFamily="34" charset="0"/>
               <a:buChar char="•"/>
               <a:defRPr>
                 <a:solidFill>
@@ -10554,7 +10554,7 @@
               <a:spcBef>
                 <a:spcPts val="500"/>
               </a:spcBef>
-              <a:buFont typeface="Arial" panose="020B0604020202020204" pitchFamily="34" charset="0"/>
+              <a:buFont typeface="Arial" panose="020B0604020202090204" pitchFamily="34" charset="0"/>
               <a:buChar char="•"/>
               <a:defRPr>
                 <a:solidFill>
@@ -10574,7 +10574,7 @@
               <a:spcAft>
                 <a:spcPct val="0"/>
               </a:spcAft>
-              <a:buFont typeface="Arial" panose="020B0604020202020204" pitchFamily="34" charset="0"/>
+              <a:buFont typeface="Arial" panose="020B0604020202090204" pitchFamily="34" charset="0"/>
               <a:buChar char="•"/>
               <a:defRPr>
                 <a:solidFill>
@@ -10594,7 +10594,7 @@
               <a:spcAft>
                 <a:spcPct val="0"/>
               </a:spcAft>
-              <a:buFont typeface="Arial" panose="020B0604020202020204" pitchFamily="34" charset="0"/>
+              <a:buFont typeface="Arial" panose="020B0604020202090204" pitchFamily="34" charset="0"/>
               <a:buChar char="•"/>
               <a:defRPr>
                 <a:solidFill>
@@ -10614,7 +10614,7 @@
               <a:spcAft>
                 <a:spcPct val="0"/>
               </a:spcAft>
-              <a:buFont typeface="Arial" panose="020B0604020202020204" pitchFamily="34" charset="0"/>
+              <a:buFont typeface="Arial" panose="020B0604020202090204" pitchFamily="34" charset="0"/>
               <a:buChar char="•"/>
               <a:defRPr>
                 <a:solidFill>
@@ -10634,7 +10634,7 @@
               <a:spcAft>
                 <a:spcPct val="0"/>
               </a:spcAft>
-              <a:buFont typeface="Arial" panose="020B0604020202020204" pitchFamily="34" charset="0"/>
+              <a:buFont typeface="Arial" panose="020B0604020202090204" pitchFamily="34" charset="0"/>
               <a:buChar char="•"/>
               <a:defRPr>
                 <a:solidFill>
@@ -11759,7 +11759,7 @@
           <a:bodyPr/>
           <a:p>
             <a:endParaRPr lang="zh-CN" altLang="en-US" dirty="0">
-              <a:latin typeface="Arial" panose="020B0604020202020204" pitchFamily="34" charset="0"/>
+              <a:latin typeface="Arial" panose="020B0604020202090204" pitchFamily="34" charset="0"/>
               <a:ea typeface="宋体" panose="02010600030101010101" pitchFamily="2" charset="-122"/>
             </a:endParaRPr>
           </a:p>
@@ -12552,7 +12552,7 @@
           <a:bodyPr/>
           <a:p>
             <a:endParaRPr lang="zh-CN" altLang="en-US" dirty="0">
-              <a:latin typeface="Arial" panose="020B0604020202020204" pitchFamily="34" charset="0"/>
+              <a:latin typeface="Arial" panose="020B0604020202090204" pitchFamily="34" charset="0"/>
               <a:ea typeface="宋体" panose="02010600030101010101" pitchFamily="2" charset="-122"/>
             </a:endParaRPr>
           </a:p>
@@ -12656,7 +12656,7 @@
                 <a:spcAft>
                   <a:spcPct val="0"/>
                 </a:spcAft>
-                <a:buFont typeface="Arial" panose="020B0604020202020204" pitchFamily="34" charset="0"/>
+                <a:buFont typeface="Arial" panose="020B0604020202090204" pitchFamily="34" charset="0"/>
                 <a:defRPr>
                   <a:solidFill>
                     <a:schemeClr val="tx1"/>
@@ -12672,7 +12672,7 @@
                 <a:spcAft>
                   <a:spcPct val="0"/>
                 </a:spcAft>
-                <a:buFont typeface="Arial" panose="020B0604020202020204" pitchFamily="34" charset="0"/>
+                <a:buFont typeface="Arial" panose="020B0604020202090204" pitchFamily="34" charset="0"/>
                 <a:defRPr>
                   <a:solidFill>
                     <a:schemeClr val="tx1"/>
@@ -12688,7 +12688,7 @@
                 <a:spcAft>
                   <a:spcPct val="0"/>
                 </a:spcAft>
-                <a:buFont typeface="Arial" panose="020B0604020202020204" pitchFamily="34" charset="0"/>
+                <a:buFont typeface="Arial" panose="020B0604020202090204" pitchFamily="34" charset="0"/>
                 <a:defRPr>
                   <a:solidFill>
                     <a:schemeClr val="tx1"/>
@@ -12704,7 +12704,7 @@
                 <a:spcAft>
                   <a:spcPct val="0"/>
                 </a:spcAft>
-                <a:buFont typeface="Arial" panose="020B0604020202020204" pitchFamily="34" charset="0"/>
+                <a:buFont typeface="Arial" panose="020B0604020202090204" pitchFamily="34" charset="0"/>
                 <a:defRPr>
                   <a:solidFill>
                     <a:schemeClr val="tx1"/>
@@ -12727,7 +12727,7 @@
                 </a:spcAft>
                 <a:buClrTx/>
                 <a:buSzTx/>
-                <a:buFont typeface="Arial" panose="020B0604020202020204" pitchFamily="34" charset="0"/>
+                <a:buFont typeface="Arial" panose="020B0604020202090204" pitchFamily="34" charset="0"/>
                 <a:buNone/>
                 <a:defRPr/>
               </a:pPr>
@@ -12741,10 +12741,10 @@
                 <a:effectLst/>
                 <a:uLnTx/>
                 <a:uFillTx/>
-                <a:latin typeface="Arial" panose="020B0604020202020204" pitchFamily="34" charset="0"/>
+                <a:latin typeface="Arial" panose="020B0604020202090204" pitchFamily="34" charset="0"/>
                 <a:ea typeface="微软雅黑" panose="020B0503020204020204" pitchFamily="34" charset="-122"/>
                 <a:cs typeface="+mn-cs"/>
-                <a:sym typeface="Arial" panose="020B0604020202020204" pitchFamily="34" charset="0"/>
+                <a:sym typeface="Arial" panose="020B0604020202090204" pitchFamily="34" charset="0"/>
               </a:endParaRPr>
             </a:p>
           </p:txBody>
@@ -12833,7 +12833,7 @@
                 <a:spcAft>
                   <a:spcPct val="0"/>
                 </a:spcAft>
-                <a:buFont typeface="Arial" panose="020B0604020202020204" pitchFamily="34" charset="0"/>
+                <a:buFont typeface="Arial" panose="020B0604020202090204" pitchFamily="34" charset="0"/>
                 <a:defRPr>
                   <a:solidFill>
                     <a:schemeClr val="tx1"/>
@@ -12849,7 +12849,7 @@
                 <a:spcAft>
                   <a:spcPct val="0"/>
                 </a:spcAft>
-                <a:buFont typeface="Arial" panose="020B0604020202020204" pitchFamily="34" charset="0"/>
+                <a:buFont typeface="Arial" panose="020B0604020202090204" pitchFamily="34" charset="0"/>
                 <a:defRPr>
                   <a:solidFill>
                     <a:schemeClr val="tx1"/>
@@ -12865,7 +12865,7 @@
                 <a:spcAft>
                   <a:spcPct val="0"/>
                 </a:spcAft>
-                <a:buFont typeface="Arial" panose="020B0604020202020204" pitchFamily="34" charset="0"/>
+                <a:buFont typeface="Arial" panose="020B0604020202090204" pitchFamily="34" charset="0"/>
                 <a:defRPr>
                   <a:solidFill>
                     <a:schemeClr val="tx1"/>
@@ -12881,7 +12881,7 @@
                 <a:spcAft>
                   <a:spcPct val="0"/>
                 </a:spcAft>
-                <a:buFont typeface="Arial" panose="020B0604020202020204" pitchFamily="34" charset="0"/>
+                <a:buFont typeface="Arial" panose="020B0604020202090204" pitchFamily="34" charset="0"/>
                 <a:defRPr>
                   <a:solidFill>
                     <a:schemeClr val="tx1"/>
@@ -12904,7 +12904,7 @@
                 </a:spcAft>
                 <a:buClrTx/>
                 <a:buSzTx/>
-                <a:buFont typeface="Arial" panose="020B0604020202020204" pitchFamily="34" charset="0"/>
+                <a:buFont typeface="Arial" panose="020B0604020202090204" pitchFamily="34" charset="0"/>
                 <a:buNone/>
                 <a:defRPr/>
               </a:pPr>
@@ -12918,10 +12918,10 @@
                 <a:effectLst/>
                 <a:uLnTx/>
                 <a:uFillTx/>
-                <a:latin typeface="Arial" panose="020B0604020202020204" pitchFamily="34" charset="0"/>
+                <a:latin typeface="Arial" panose="020B0604020202090204" pitchFamily="34" charset="0"/>
                 <a:ea typeface="微软雅黑" panose="020B0503020204020204" pitchFamily="34" charset="-122"/>
                 <a:cs typeface="+mn-cs"/>
-                <a:sym typeface="Arial" panose="020B0604020202020204" pitchFamily="34" charset="0"/>
+                <a:sym typeface="Arial" panose="020B0604020202090204" pitchFamily="34" charset="0"/>
               </a:endParaRPr>
             </a:p>
           </p:txBody>
@@ -13166,7 +13166,7 @@
                 </a:spcAft>
                 <a:buClrTx/>
                 <a:buSzTx/>
-                <a:buFont typeface="Arial" panose="020B0604020202020204" pitchFamily="34" charset="0"/>
+                <a:buFont typeface="Arial" panose="020B0604020202090204" pitchFamily="34" charset="0"/>
                 <a:buNone/>
                 <a:defRPr/>
               </a:pPr>
@@ -15480,20 +15480,7 @@
                   <a:latin typeface="黑体" panose="02010609060101010101" pitchFamily="49" charset="-122"/>
                   <a:ea typeface="黑体" panose="02010609060101010101" pitchFamily="49" charset="-122"/>
                 </a:rPr>
-                <a:t>适当增加相关性较高的友情链接，也可增加本站少量</a:t>
-              </a:r>
-              <a:r>
-                <a:rPr lang="zh-CN" altLang="en-US">
-                  <a:solidFill>
-                    <a:schemeClr val="tx1">
-                      <a:lumMod val="65000"/>
-                      <a:lumOff val="35000"/>
-                    </a:schemeClr>
-                  </a:solidFill>
-                  <a:latin typeface="黑体" panose="02010609060101010101" pitchFamily="49" charset="-122"/>
-                  <a:ea typeface="黑体" panose="02010609060101010101" pitchFamily="49" charset="-122"/>
-                </a:rPr>
-                <a:t>权重</a:t>
+                <a:t>适当增加相关性较高的友情链接，也可增加本站少量权重</a:t>
               </a:r>
               <a:endParaRPr lang="zh-CN" altLang="en-US">
                 <a:solidFill>
@@ -15932,7 +15919,7 @@
           <a:bodyPr/>
           <a:p>
             <a:endParaRPr lang="zh-CN" altLang="en-US" dirty="0">
-              <a:latin typeface="Arial" panose="020B0604020202020204" pitchFamily="34" charset="0"/>
+              <a:latin typeface="Arial" panose="020B0604020202090204" pitchFamily="34" charset="0"/>
               <a:ea typeface="宋体" panose="02010600030101010101" pitchFamily="2" charset="-122"/>
             </a:endParaRPr>
           </a:p>
@@ -15970,17 +15957,7 @@
                 <a:latin typeface="微软雅黑" panose="020B0503020204020204" pitchFamily="34" charset="-122"/>
                 <a:ea typeface="微软雅黑" panose="020B0503020204020204" pitchFamily="34" charset="-122"/>
               </a:rPr>
-              <a:t>四、网站内容</a:t>
-            </a:r>
-            <a:r>
-              <a:rPr lang="zh-CN" altLang="en-US" sz="3600" b="1" dirty="0">
-                <a:solidFill>
-                  <a:srgbClr val="F8F8F8"/>
-                </a:solidFill>
-                <a:latin typeface="微软雅黑" panose="020B0503020204020204" pitchFamily="34" charset="-122"/>
-                <a:ea typeface="微软雅黑" panose="020B0503020204020204" pitchFamily="34" charset="-122"/>
-              </a:rPr>
-              <a:t>优化</a:t>
+              <a:t>四、网站内容优化</a:t>
             </a:r>
             <a:endParaRPr lang="zh-CN" altLang="en-US" sz="3600" b="1" dirty="0">
               <a:solidFill>
@@ -17064,7 +17041,7 @@
             <a:endParaRPr lang="zh-CN" altLang="en-US" sz="1600" kern="0" dirty="0">
               <a:latin typeface="宋体" panose="02010600030101010101" pitchFamily="2" charset="-122"/>
               <a:ea typeface="幼圆"/>
-              <a:cs typeface="Arial" panose="020B0604020202020204" pitchFamily="34" charset="0"/>
+              <a:cs typeface="Arial" panose="020B0604020202090204" pitchFamily="34" charset="0"/>
             </a:endParaRPr>
           </a:p>
         </p:txBody>
@@ -17121,7 +17098,7 @@
               <a:spcBef>
                 <a:spcPts val="1000"/>
               </a:spcBef>
-              <a:buFont typeface="Arial" panose="020B0604020202020204" pitchFamily="34" charset="0"/>
+              <a:buFont typeface="Arial" panose="020B0604020202090204" pitchFamily="34" charset="0"/>
               <a:buChar char="•"/>
               <a:defRPr sz="2800">
                 <a:solidFill>
@@ -17138,7 +17115,7 @@
               <a:spcBef>
                 <a:spcPts val="500"/>
               </a:spcBef>
-              <a:buFont typeface="Arial" panose="020B0604020202020204" pitchFamily="34" charset="0"/>
+              <a:buFont typeface="Arial" panose="020B0604020202090204" pitchFamily="34" charset="0"/>
               <a:buChar char="•"/>
               <a:defRPr sz="2400">
                 <a:solidFill>
@@ -17155,7 +17132,7 @@
               <a:spcBef>
                 <a:spcPts val="500"/>
               </a:spcBef>
-              <a:buFont typeface="Arial" panose="020B0604020202020204" pitchFamily="34" charset="0"/>
+              <a:buFont typeface="Arial" panose="020B0604020202090204" pitchFamily="34" charset="0"/>
               <a:buChar char="•"/>
               <a:defRPr sz="2000">
                 <a:solidFill>
@@ -17172,7 +17149,7 @@
               <a:spcBef>
                 <a:spcPts val="500"/>
               </a:spcBef>
-              <a:buFont typeface="Arial" panose="020B0604020202020204" pitchFamily="34" charset="0"/>
+              <a:buFont typeface="Arial" panose="020B0604020202090204" pitchFamily="34" charset="0"/>
               <a:buChar char="•"/>
               <a:defRPr>
                 <a:solidFill>
@@ -17189,7 +17166,7 @@
               <a:spcBef>
                 <a:spcPts val="500"/>
               </a:spcBef>
-              <a:buFont typeface="Arial" panose="020B0604020202020204" pitchFamily="34" charset="0"/>
+              <a:buFont typeface="Arial" panose="020B0604020202090204" pitchFamily="34" charset="0"/>
               <a:buChar char="•"/>
               <a:defRPr>
                 <a:solidFill>
@@ -17209,7 +17186,7 @@
               <a:spcAft>
                 <a:spcPct val="0"/>
               </a:spcAft>
-              <a:buFont typeface="Arial" panose="020B0604020202020204" pitchFamily="34" charset="0"/>
+              <a:buFont typeface="Arial" panose="020B0604020202090204" pitchFamily="34" charset="0"/>
               <a:buChar char="•"/>
               <a:defRPr>
                 <a:solidFill>
@@ -17229,7 +17206,7 @@
               <a:spcAft>
                 <a:spcPct val="0"/>
               </a:spcAft>
-              <a:buFont typeface="Arial" panose="020B0604020202020204" pitchFamily="34" charset="0"/>
+              <a:buFont typeface="Arial" panose="020B0604020202090204" pitchFamily="34" charset="0"/>
               <a:buChar char="•"/>
               <a:defRPr>
                 <a:solidFill>
@@ -17249,7 +17226,7 @@
               <a:spcAft>
                 <a:spcPct val="0"/>
               </a:spcAft>
-              <a:buFont typeface="Arial" panose="020B0604020202020204" pitchFamily="34" charset="0"/>
+              <a:buFont typeface="Arial" panose="020B0604020202090204" pitchFamily="34" charset="0"/>
               <a:buChar char="•"/>
               <a:defRPr>
                 <a:solidFill>
@@ -17269,7 +17246,7 @@
               <a:spcAft>
                 <a:spcPct val="0"/>
               </a:spcAft>
-              <a:buFont typeface="Arial" panose="020B0604020202020204" pitchFamily="34" charset="0"/>
+              <a:buFont typeface="Arial" panose="020B0604020202090204" pitchFamily="34" charset="0"/>
               <a:buChar char="•"/>
               <a:defRPr>
                 <a:solidFill>
@@ -18706,7 +18683,7 @@
               <a:effectLst/>
               <a:uLnTx/>
               <a:uFillTx/>
-              <a:latin typeface="Arial" panose="020B0604020202020204"/>
+              <a:latin typeface="Arial" panose="020B0604020202090204"/>
               <a:ea typeface="微软雅黑" panose="020B0503020204020204" pitchFamily="34" charset="-122"/>
               <a:cs typeface="+mn-ea"/>
             </a:endParaRPr>
@@ -18850,7 +18827,7 @@
                 <a:spcAft>
                   <a:spcPct val="0"/>
                 </a:spcAft>
-                <a:buFont typeface="Arial" panose="020B0604020202020204" pitchFamily="34" charset="0"/>
+                <a:buFont typeface="Arial" panose="020B0604020202090204" pitchFamily="34" charset="0"/>
               </a:lvl6pPr>
               <a:lvl7pPr marL="2971800" indent="-228600" eaLnBrk="0" fontAlgn="base" hangingPunct="0">
                 <a:spcBef>
@@ -18859,7 +18836,7 @@
                 <a:spcAft>
                   <a:spcPct val="0"/>
                 </a:spcAft>
-                <a:buFont typeface="Arial" panose="020B0604020202020204" pitchFamily="34" charset="0"/>
+                <a:buFont typeface="Arial" panose="020B0604020202090204" pitchFamily="34" charset="0"/>
               </a:lvl7pPr>
               <a:lvl8pPr marL="3429000" indent="-228600" eaLnBrk="0" fontAlgn="base" hangingPunct="0">
                 <a:spcBef>
@@ -18868,7 +18845,7 @@
                 <a:spcAft>
                   <a:spcPct val="0"/>
                 </a:spcAft>
-                <a:buFont typeface="Arial" panose="020B0604020202020204" pitchFamily="34" charset="0"/>
+                <a:buFont typeface="Arial" panose="020B0604020202090204" pitchFamily="34" charset="0"/>
               </a:lvl8pPr>
               <a:lvl9pPr marL="3886200" indent="-228600" eaLnBrk="0" fontAlgn="base" hangingPunct="0">
                 <a:spcBef>
@@ -18877,7 +18854,7 @@
                 <a:spcAft>
                   <a:spcPct val="0"/>
                 </a:spcAft>
-                <a:buFont typeface="Arial" panose="020B0604020202020204" pitchFamily="34" charset="0"/>
+                <a:buFont typeface="Arial" panose="020B0604020202090204" pitchFamily="34" charset="0"/>
               </a:lvl9pPr>
             </a:lstStyle>
             <a:p>
@@ -19193,7 +19170,7 @@
                 <a:spcAft>
                   <a:spcPct val="0"/>
                 </a:spcAft>
-                <a:buFont typeface="Arial" panose="020B0604020202020204" pitchFamily="34" charset="0"/>
+                <a:buFont typeface="Arial" panose="020B0604020202090204" pitchFamily="34" charset="0"/>
               </a:lvl6pPr>
               <a:lvl7pPr marL="2971800" indent="-228600" eaLnBrk="0" fontAlgn="base" hangingPunct="0">
                 <a:spcBef>
@@ -19202,7 +19179,7 @@
                 <a:spcAft>
                   <a:spcPct val="0"/>
                 </a:spcAft>
-                <a:buFont typeface="Arial" panose="020B0604020202020204" pitchFamily="34" charset="0"/>
+                <a:buFont typeface="Arial" panose="020B0604020202090204" pitchFamily="34" charset="0"/>
               </a:lvl7pPr>
               <a:lvl8pPr marL="3429000" indent="-228600" eaLnBrk="0" fontAlgn="base" hangingPunct="0">
                 <a:spcBef>
@@ -19211,7 +19188,7 @@
                 <a:spcAft>
                   <a:spcPct val="0"/>
                 </a:spcAft>
-                <a:buFont typeface="Arial" panose="020B0604020202020204" pitchFamily="34" charset="0"/>
+                <a:buFont typeface="Arial" panose="020B0604020202090204" pitchFamily="34" charset="0"/>
               </a:lvl8pPr>
               <a:lvl9pPr marL="3886200" indent="-228600" eaLnBrk="0" fontAlgn="base" hangingPunct="0">
                 <a:spcBef>
@@ -19220,7 +19197,7 @@
                 <a:spcAft>
                   <a:spcPct val="0"/>
                 </a:spcAft>
-                <a:buFont typeface="Arial" panose="020B0604020202020204" pitchFamily="34" charset="0"/>
+                <a:buFont typeface="Arial" panose="020B0604020202090204" pitchFamily="34" charset="0"/>
               </a:lvl9pPr>
             </a:lstStyle>
             <a:p>
@@ -19516,7 +19493,7 @@
                 <a:spcAft>
                   <a:spcPct val="0"/>
                 </a:spcAft>
-                <a:buFont typeface="Arial" panose="020B0604020202020204" pitchFamily="34" charset="0"/>
+                <a:buFont typeface="Arial" panose="020B0604020202090204" pitchFamily="34" charset="0"/>
               </a:lvl6pPr>
               <a:lvl7pPr marL="2971800" indent="-228600" eaLnBrk="0" fontAlgn="base" hangingPunct="0">
                 <a:spcBef>
@@ -19525,7 +19502,7 @@
                 <a:spcAft>
                   <a:spcPct val="0"/>
                 </a:spcAft>
-                <a:buFont typeface="Arial" panose="020B0604020202020204" pitchFamily="34" charset="0"/>
+                <a:buFont typeface="Arial" panose="020B0604020202090204" pitchFamily="34" charset="0"/>
               </a:lvl7pPr>
               <a:lvl8pPr marL="3429000" indent="-228600" eaLnBrk="0" fontAlgn="base" hangingPunct="0">
                 <a:spcBef>
@@ -19534,7 +19511,7 @@
                 <a:spcAft>
                   <a:spcPct val="0"/>
                 </a:spcAft>
-                <a:buFont typeface="Arial" panose="020B0604020202020204" pitchFamily="34" charset="0"/>
+                <a:buFont typeface="Arial" panose="020B0604020202090204" pitchFamily="34" charset="0"/>
               </a:lvl8pPr>
               <a:lvl9pPr marL="3886200" indent="-228600" eaLnBrk="0" fontAlgn="base" hangingPunct="0">
                 <a:spcBef>
@@ -19543,7 +19520,7 @@
                 <a:spcAft>
                   <a:spcPct val="0"/>
                 </a:spcAft>
-                <a:buFont typeface="Arial" panose="020B0604020202020204" pitchFamily="34" charset="0"/>
+                <a:buFont typeface="Arial" panose="020B0604020202090204" pitchFamily="34" charset="0"/>
               </a:lvl9pPr>
             </a:lstStyle>
             <a:p>
@@ -19839,7 +19816,7 @@
                 <a:spcAft>
                   <a:spcPct val="0"/>
                 </a:spcAft>
-                <a:buFont typeface="Arial" panose="020B0604020202020204" pitchFamily="34" charset="0"/>
+                <a:buFont typeface="Arial" panose="020B0604020202090204" pitchFamily="34" charset="0"/>
               </a:lvl6pPr>
               <a:lvl7pPr marL="2971800" indent="-228600" eaLnBrk="0" fontAlgn="base" hangingPunct="0">
                 <a:spcBef>
@@ -19848,7 +19825,7 @@
                 <a:spcAft>
                   <a:spcPct val="0"/>
                 </a:spcAft>
-                <a:buFont typeface="Arial" panose="020B0604020202020204" pitchFamily="34" charset="0"/>
+                <a:buFont typeface="Arial" panose="020B0604020202090204" pitchFamily="34" charset="0"/>
               </a:lvl7pPr>
               <a:lvl8pPr marL="3429000" indent="-228600" eaLnBrk="0" fontAlgn="base" hangingPunct="0">
                 <a:spcBef>
@@ -19857,7 +19834,7 @@
                 <a:spcAft>
                   <a:spcPct val="0"/>
                 </a:spcAft>
-                <a:buFont typeface="Arial" panose="020B0604020202020204" pitchFamily="34" charset="0"/>
+                <a:buFont typeface="Arial" panose="020B0604020202090204" pitchFamily="34" charset="0"/>
               </a:lvl8pPr>
               <a:lvl9pPr marL="3886200" indent="-228600" eaLnBrk="0" fontAlgn="base" hangingPunct="0">
                 <a:spcBef>
@@ -19866,7 +19843,7 @@
                 <a:spcAft>
                   <a:spcPct val="0"/>
                 </a:spcAft>
-                <a:buFont typeface="Arial" panose="020B0604020202020204" pitchFamily="34" charset="0"/>
+                <a:buFont typeface="Arial" panose="020B0604020202090204" pitchFamily="34" charset="0"/>
               </a:lvl9pPr>
             </a:lstStyle>
             <a:p>
@@ -21373,7 +21350,7 @@
               <a:spcBef>
                 <a:spcPts val="1000"/>
               </a:spcBef>
-              <a:buFont typeface="Arial" panose="020B0604020202020204" pitchFamily="34" charset="0"/>
+              <a:buFont typeface="Arial" panose="020B0604020202090204" pitchFamily="34" charset="0"/>
               <a:buChar char="•"/>
               <a:defRPr sz="2800">
                 <a:solidFill>
@@ -21390,7 +21367,7 @@
               <a:spcBef>
                 <a:spcPts val="500"/>
               </a:spcBef>
-              <a:buFont typeface="Arial" panose="020B0604020202020204" pitchFamily="34" charset="0"/>
+              <a:buFont typeface="Arial" panose="020B0604020202090204" pitchFamily="34" charset="0"/>
               <a:buChar char="•"/>
               <a:defRPr sz="2400">
                 <a:solidFill>
@@ -21407,7 +21384,7 @@
               <a:spcBef>
                 <a:spcPts val="500"/>
               </a:spcBef>
-              <a:buFont typeface="Arial" panose="020B0604020202020204" pitchFamily="34" charset="0"/>
+              <a:buFont typeface="Arial" panose="020B0604020202090204" pitchFamily="34" charset="0"/>
               <a:buChar char="•"/>
               <a:defRPr sz="2000">
                 <a:solidFill>
@@ -21424,7 +21401,7 @@
               <a:spcBef>
                 <a:spcPts val="500"/>
               </a:spcBef>
-              <a:buFont typeface="Arial" panose="020B0604020202020204" pitchFamily="34" charset="0"/>
+              <a:buFont typeface="Arial" panose="020B0604020202090204" pitchFamily="34" charset="0"/>
               <a:buChar char="•"/>
               <a:defRPr>
                 <a:solidFill>
@@ -21441,7 +21418,7 @@
               <a:spcBef>
                 <a:spcPts val="500"/>
               </a:spcBef>
-              <a:buFont typeface="Arial" panose="020B0604020202020204" pitchFamily="34" charset="0"/>
+              <a:buFont typeface="Arial" panose="020B0604020202090204" pitchFamily="34" charset="0"/>
               <a:buChar char="•"/>
               <a:defRPr>
                 <a:solidFill>
@@ -21461,7 +21438,7 @@
               <a:spcAft>
                 <a:spcPct val="0"/>
               </a:spcAft>
-              <a:buFont typeface="Arial" panose="020B0604020202020204" pitchFamily="34" charset="0"/>
+              <a:buFont typeface="Arial" panose="020B0604020202090204" pitchFamily="34" charset="0"/>
               <a:buChar char="•"/>
               <a:defRPr>
                 <a:solidFill>
@@ -21481,7 +21458,7 @@
               <a:spcAft>
                 <a:spcPct val="0"/>
               </a:spcAft>
-              <a:buFont typeface="Arial" panose="020B0604020202020204" pitchFamily="34" charset="0"/>
+              <a:buFont typeface="Arial" panose="020B0604020202090204" pitchFamily="34" charset="0"/>
               <a:buChar char="•"/>
               <a:defRPr>
                 <a:solidFill>
@@ -21501,7 +21478,7 @@
               <a:spcAft>
                 <a:spcPct val="0"/>
               </a:spcAft>
-              <a:buFont typeface="Arial" panose="020B0604020202020204" pitchFamily="34" charset="0"/>
+              <a:buFont typeface="Arial" panose="020B0604020202090204" pitchFamily="34" charset="0"/>
               <a:buChar char="•"/>
               <a:defRPr>
                 <a:solidFill>
@@ -21521,7 +21498,7 @@
               <a:spcAft>
                 <a:spcPct val="0"/>
               </a:spcAft>
-              <a:buFont typeface="Arial" panose="020B0604020202020204" pitchFamily="34" charset="0"/>
+              <a:buFont typeface="Arial" panose="020B0604020202090204" pitchFamily="34" charset="0"/>
               <a:buChar char="•"/>
               <a:defRPr>
                 <a:solidFill>
@@ -21968,7 +21945,7 @@
               <a:spcBef>
                 <a:spcPts val="1000"/>
               </a:spcBef>
-              <a:buFont typeface="Arial" panose="020B0604020202020204" pitchFamily="34" charset="0"/>
+              <a:buFont typeface="Arial" panose="020B0604020202090204" pitchFamily="34" charset="0"/>
               <a:buChar char="•"/>
               <a:defRPr sz="2800">
                 <a:solidFill>
@@ -21985,7 +21962,7 @@
               <a:spcBef>
                 <a:spcPts val="500"/>
               </a:spcBef>
-              <a:buFont typeface="Arial" panose="020B0604020202020204" pitchFamily="34" charset="0"/>
+              <a:buFont typeface="Arial" panose="020B0604020202090204" pitchFamily="34" charset="0"/>
               <a:buChar char="•"/>
               <a:defRPr sz="2400">
                 <a:solidFill>
@@ -22002,7 +21979,7 @@
               <a:spcBef>
                 <a:spcPts val="500"/>
               </a:spcBef>
-              <a:buFont typeface="Arial" panose="020B0604020202020204" pitchFamily="34" charset="0"/>
+              <a:buFont typeface="Arial" panose="020B0604020202090204" pitchFamily="34" charset="0"/>
               <a:buChar char="•"/>
               <a:defRPr sz="2000">
                 <a:solidFill>
@@ -22019,7 +21996,7 @@
               <a:spcBef>
                 <a:spcPts val="500"/>
               </a:spcBef>
-              <a:buFont typeface="Arial" panose="020B0604020202020204" pitchFamily="34" charset="0"/>
+              <a:buFont typeface="Arial" panose="020B0604020202090204" pitchFamily="34" charset="0"/>
               <a:buChar char="•"/>
               <a:defRPr>
                 <a:solidFill>
@@ -22036,7 +22013,7 @@
               <a:spcBef>
                 <a:spcPts val="500"/>
               </a:spcBef>
-              <a:buFont typeface="Arial" panose="020B0604020202020204" pitchFamily="34" charset="0"/>
+              <a:buFont typeface="Arial" panose="020B0604020202090204" pitchFamily="34" charset="0"/>
               <a:buChar char="•"/>
               <a:defRPr>
                 <a:solidFill>
@@ -22056,7 +22033,7 @@
               <a:spcAft>
                 <a:spcPct val="0"/>
               </a:spcAft>
-              <a:buFont typeface="Arial" panose="020B0604020202020204" pitchFamily="34" charset="0"/>
+              <a:buFont typeface="Arial" panose="020B0604020202090204" pitchFamily="34" charset="0"/>
               <a:buChar char="•"/>
               <a:defRPr>
                 <a:solidFill>
@@ -22076,7 +22053,7 @@
               <a:spcAft>
                 <a:spcPct val="0"/>
               </a:spcAft>
-              <a:buFont typeface="Arial" panose="020B0604020202020204" pitchFamily="34" charset="0"/>
+              <a:buFont typeface="Arial" panose="020B0604020202090204" pitchFamily="34" charset="0"/>
               <a:buChar char="•"/>
               <a:defRPr>
                 <a:solidFill>
@@ -22096,7 +22073,7 @@
               <a:spcAft>
                 <a:spcPct val="0"/>
               </a:spcAft>
-              <a:buFont typeface="Arial" panose="020B0604020202020204" pitchFamily="34" charset="0"/>
+              <a:buFont typeface="Arial" panose="020B0604020202090204" pitchFamily="34" charset="0"/>
               <a:buChar char="•"/>
               <a:defRPr>
                 <a:solidFill>
@@ -22116,7 +22093,7 @@
               <a:spcAft>
                 <a:spcPct val="0"/>
               </a:spcAft>
-              <a:buFont typeface="Arial" panose="020B0604020202020204" pitchFamily="34" charset="0"/>
+              <a:buFont typeface="Arial" panose="020B0604020202090204" pitchFamily="34" charset="0"/>
               <a:buChar char="•"/>
               <a:defRPr>
                 <a:solidFill>
@@ -22613,7 +22590,7 @@
               <a:spcBef>
                 <a:spcPts val="1000"/>
               </a:spcBef>
-              <a:buFont typeface="Arial" panose="020B0604020202020204" pitchFamily="34" charset="0"/>
+              <a:buFont typeface="Arial" panose="020B0604020202090204" pitchFamily="34" charset="0"/>
               <a:buChar char="•"/>
               <a:defRPr sz="2800">
                 <a:solidFill>
@@ -22630,7 +22607,7 @@
               <a:spcBef>
                 <a:spcPts val="500"/>
               </a:spcBef>
-              <a:buFont typeface="Arial" panose="020B0604020202020204" pitchFamily="34" charset="0"/>
+              <a:buFont typeface="Arial" panose="020B0604020202090204" pitchFamily="34" charset="0"/>
               <a:buChar char="•"/>
               <a:defRPr sz="2400">
                 <a:solidFill>
@@ -22647,7 +22624,7 @@
               <a:spcBef>
                 <a:spcPts val="500"/>
               </a:spcBef>
-              <a:buFont typeface="Arial" panose="020B0604020202020204" pitchFamily="34" charset="0"/>
+              <a:buFont typeface="Arial" panose="020B0604020202090204" pitchFamily="34" charset="0"/>
               <a:buChar char="•"/>
               <a:defRPr sz="2000">
                 <a:solidFill>
@@ -22664,7 +22641,7 @@
               <a:spcBef>
                 <a:spcPts val="500"/>
               </a:spcBef>
-              <a:buFont typeface="Arial" panose="020B0604020202020204" pitchFamily="34" charset="0"/>
+              <a:buFont typeface="Arial" panose="020B0604020202090204" pitchFamily="34" charset="0"/>
               <a:buChar char="•"/>
               <a:defRPr>
                 <a:solidFill>
@@ -22681,7 +22658,7 @@
               <a:spcBef>
                 <a:spcPts val="500"/>
               </a:spcBef>
-              <a:buFont typeface="Arial" panose="020B0604020202020204" pitchFamily="34" charset="0"/>
+              <a:buFont typeface="Arial" panose="020B0604020202090204" pitchFamily="34" charset="0"/>
               <a:buChar char="•"/>
               <a:defRPr>
                 <a:solidFill>
@@ -22701,7 +22678,7 @@
               <a:spcAft>
                 <a:spcPct val="0"/>
               </a:spcAft>
-              <a:buFont typeface="Arial" panose="020B0604020202020204" pitchFamily="34" charset="0"/>
+              <a:buFont typeface="Arial" panose="020B0604020202090204" pitchFamily="34" charset="0"/>
               <a:buChar char="•"/>
               <a:defRPr>
                 <a:solidFill>
@@ -22721,7 +22698,7 @@
               <a:spcAft>
                 <a:spcPct val="0"/>
               </a:spcAft>
-              <a:buFont typeface="Arial" panose="020B0604020202020204" pitchFamily="34" charset="0"/>
+              <a:buFont typeface="Arial" panose="020B0604020202090204" pitchFamily="34" charset="0"/>
               <a:buChar char="•"/>
               <a:defRPr>
                 <a:solidFill>
@@ -22741,7 +22718,7 @@
               <a:spcAft>
                 <a:spcPct val="0"/>
               </a:spcAft>
-              <a:buFont typeface="Arial" panose="020B0604020202020204" pitchFamily="34" charset="0"/>
+              <a:buFont typeface="Arial" panose="020B0604020202090204" pitchFamily="34" charset="0"/>
               <a:buChar char="•"/>
               <a:defRPr>
                 <a:solidFill>
@@ -22761,7 +22738,7 @@
               <a:spcAft>
                 <a:spcPct val="0"/>
               </a:spcAft>
-              <a:buFont typeface="Arial" panose="020B0604020202020204" pitchFamily="34" charset="0"/>
+              <a:buFont typeface="Arial" panose="020B0604020202090204" pitchFamily="34" charset="0"/>
               <a:buChar char="•"/>
               <a:defRPr>
                 <a:solidFill>
@@ -23208,7 +23185,7 @@
               <a:spcBef>
                 <a:spcPts val="1000"/>
               </a:spcBef>
-              <a:buFont typeface="Arial" panose="020B0604020202020204" pitchFamily="34" charset="0"/>
+              <a:buFont typeface="Arial" panose="020B0604020202090204" pitchFamily="34" charset="0"/>
               <a:buChar char="•"/>
               <a:defRPr sz="2800">
                 <a:solidFill>
@@ -23225,7 +23202,7 @@
               <a:spcBef>
                 <a:spcPts val="500"/>
               </a:spcBef>
-              <a:buFont typeface="Arial" panose="020B0604020202020204" pitchFamily="34" charset="0"/>
+              <a:buFont typeface="Arial" panose="020B0604020202090204" pitchFamily="34" charset="0"/>
               <a:buChar char="•"/>
               <a:defRPr sz="2400">
                 <a:solidFill>
@@ -23242,7 +23219,7 @@
               <a:spcBef>
                 <a:spcPts val="500"/>
               </a:spcBef>
-              <a:buFont typeface="Arial" panose="020B0604020202020204" pitchFamily="34" charset="0"/>
+              <a:buFont typeface="Arial" panose="020B0604020202090204" pitchFamily="34" charset="0"/>
               <a:buChar char="•"/>
               <a:defRPr sz="2000">
                 <a:solidFill>
@@ -23259,7 +23236,7 @@
               <a:spcBef>
                 <a:spcPts val="500"/>
               </a:spcBef>
-              <a:buFont typeface="Arial" panose="020B0604020202020204" pitchFamily="34" charset="0"/>
+              <a:buFont typeface="Arial" panose="020B0604020202090204" pitchFamily="34" charset="0"/>
               <a:buChar char="•"/>
               <a:defRPr>
                 <a:solidFill>
@@ -23276,7 +23253,7 @@
               <a:spcBef>
                 <a:spcPts val="500"/>
               </a:spcBef>
-              <a:buFont typeface="Arial" panose="020B0604020202020204" pitchFamily="34" charset="0"/>
+              <a:buFont typeface="Arial" panose="020B0604020202090204" pitchFamily="34" charset="0"/>
               <a:buChar char="•"/>
               <a:defRPr>
                 <a:solidFill>
@@ -23296,7 +23273,7 @@
               <a:spcAft>
                 <a:spcPct val="0"/>
               </a:spcAft>
-              <a:buFont typeface="Arial" panose="020B0604020202020204" pitchFamily="34" charset="0"/>
+              <a:buFont typeface="Arial" panose="020B0604020202090204" pitchFamily="34" charset="0"/>
               <a:buChar char="•"/>
               <a:defRPr>
                 <a:solidFill>
@@ -23316,7 +23293,7 @@
               <a:spcAft>
                 <a:spcPct val="0"/>
               </a:spcAft>
-              <a:buFont typeface="Arial" panose="020B0604020202020204" pitchFamily="34" charset="0"/>
+              <a:buFont typeface="Arial" panose="020B0604020202090204" pitchFamily="34" charset="0"/>
               <a:buChar char="•"/>
               <a:defRPr>
                 <a:solidFill>
@@ -23336,7 +23313,7 @@
               <a:spcAft>
                 <a:spcPct val="0"/>
               </a:spcAft>
-              <a:buFont typeface="Arial" panose="020B0604020202020204" pitchFamily="34" charset="0"/>
+              <a:buFont typeface="Arial" panose="020B0604020202090204" pitchFamily="34" charset="0"/>
               <a:buChar char="•"/>
               <a:defRPr>
                 <a:solidFill>
@@ -23356,7 +23333,7 @@
               <a:spcAft>
                 <a:spcPct val="0"/>
               </a:spcAft>
-              <a:buFont typeface="Arial" panose="020B0604020202020204" pitchFamily="34" charset="0"/>
+              <a:buFont typeface="Arial" panose="020B0604020202090204" pitchFamily="34" charset="0"/>
               <a:buChar char="•"/>
               <a:defRPr>
                 <a:solidFill>
@@ -24286,7 +24263,7 @@
           <a:bodyPr/>
           <a:p>
             <a:endParaRPr lang="zh-CN" altLang="en-US" dirty="0">
-              <a:latin typeface="Arial" panose="020B0604020202020204" pitchFamily="34" charset="0"/>
+              <a:latin typeface="Arial" panose="020B0604020202090204" pitchFamily="34" charset="0"/>
               <a:ea typeface="宋体" panose="02010600030101010101" pitchFamily="2" charset="-122"/>
             </a:endParaRPr>
           </a:p>
@@ -25408,7 +25385,7 @@
             <a:endParaRPr lang="zh-CN" altLang="en-US" sz="1600" kern="0" dirty="0">
               <a:latin typeface="宋体" panose="02010600030101010101" pitchFamily="2" charset="-122"/>
               <a:ea typeface="幼圆"/>
-              <a:cs typeface="Arial" panose="020B0604020202020204" pitchFamily="34" charset="0"/>
+              <a:cs typeface="Arial" panose="020B0604020202090204" pitchFamily="34" charset="0"/>
             </a:endParaRPr>
           </a:p>
         </p:txBody>
@@ -25465,7 +25442,7 @@
               <a:spcBef>
                 <a:spcPts val="1000"/>
               </a:spcBef>
-              <a:buFont typeface="Arial" panose="020B0604020202020204" pitchFamily="34" charset="0"/>
+              <a:buFont typeface="Arial" panose="020B0604020202090204" pitchFamily="34" charset="0"/>
               <a:buChar char="•"/>
               <a:defRPr sz="2800">
                 <a:solidFill>
@@ -25482,7 +25459,7 @@
               <a:spcBef>
                 <a:spcPts val="500"/>
               </a:spcBef>
-              <a:buFont typeface="Arial" panose="020B0604020202020204" pitchFamily="34" charset="0"/>
+              <a:buFont typeface="Arial" panose="020B0604020202090204" pitchFamily="34" charset="0"/>
               <a:buChar char="•"/>
               <a:defRPr sz="2400">
                 <a:solidFill>
@@ -25499,7 +25476,7 @@
               <a:spcBef>
                 <a:spcPts val="500"/>
               </a:spcBef>
-              <a:buFont typeface="Arial" panose="020B0604020202020204" pitchFamily="34" charset="0"/>
+              <a:buFont typeface="Arial" panose="020B0604020202090204" pitchFamily="34" charset="0"/>
               <a:buChar char="•"/>
               <a:defRPr sz="2000">
                 <a:solidFill>
@@ -25516,7 +25493,7 @@
               <a:spcBef>
                 <a:spcPts val="500"/>
               </a:spcBef>
-              <a:buFont typeface="Arial" panose="020B0604020202020204" pitchFamily="34" charset="0"/>
+              <a:buFont typeface="Arial" panose="020B0604020202090204" pitchFamily="34" charset="0"/>
               <a:buChar char="•"/>
               <a:defRPr>
                 <a:solidFill>
@@ -25533,7 +25510,7 @@
               <a:spcBef>
                 <a:spcPts val="500"/>
               </a:spcBef>
-              <a:buFont typeface="Arial" panose="020B0604020202020204" pitchFamily="34" charset="0"/>
+              <a:buFont typeface="Arial" panose="020B0604020202090204" pitchFamily="34" charset="0"/>
               <a:buChar char="•"/>
               <a:defRPr>
                 <a:solidFill>
@@ -25553,7 +25530,7 @@
               <a:spcAft>
                 <a:spcPct val="0"/>
               </a:spcAft>
-              <a:buFont typeface="Arial" panose="020B0604020202020204" pitchFamily="34" charset="0"/>
+              <a:buFont typeface="Arial" panose="020B0604020202090204" pitchFamily="34" charset="0"/>
               <a:buChar char="•"/>
               <a:defRPr>
                 <a:solidFill>
@@ -25573,7 +25550,7 @@
               <a:spcAft>
                 <a:spcPct val="0"/>
               </a:spcAft>
-              <a:buFont typeface="Arial" panose="020B0604020202020204" pitchFamily="34" charset="0"/>
+              <a:buFont typeface="Arial" panose="020B0604020202090204" pitchFamily="34" charset="0"/>
               <a:buChar char="•"/>
               <a:defRPr>
                 <a:solidFill>
@@ -25593,7 +25570,7 @@
               <a:spcAft>
                 <a:spcPct val="0"/>
               </a:spcAft>
-              <a:buFont typeface="Arial" panose="020B0604020202020204" pitchFamily="34" charset="0"/>
+              <a:buFont typeface="Arial" panose="020B0604020202090204" pitchFamily="34" charset="0"/>
               <a:buChar char="•"/>
               <a:defRPr>
                 <a:solidFill>
@@ -25613,7 +25590,7 @@
               <a:spcAft>
                 <a:spcPct val="0"/>
               </a:spcAft>
-              <a:buFont typeface="Arial" panose="020B0604020202020204" pitchFamily="34" charset="0"/>
+              <a:buFont typeface="Arial" panose="020B0604020202090204" pitchFamily="34" charset="0"/>
               <a:buChar char="•"/>
               <a:defRPr>
                 <a:solidFill>
@@ -25780,14 +25757,7 @@
                 <a:latin typeface="宋体" panose="02010600030101010101" pitchFamily="2" charset="-122"/>
                 <a:sym typeface="+mn-ea"/>
               </a:rPr>
-              <a:t>避免开辟大量无意的二级域名</a:t>
-            </a:r>
-            <a:r>
-              <a:rPr lang="zh-CN" altLang="en-US" sz="2400" b="1">
-                <a:latin typeface="宋体" panose="02010600030101010101" pitchFamily="2" charset="-122"/>
-                <a:sym typeface="+mn-ea"/>
-              </a:rPr>
-              <a:t>。</a:t>
+              <a:t>避免开辟大量无意的二级域名。</a:t>
             </a:r>
             <a:endParaRPr lang="zh-CN" altLang="en-US" sz="2400" b="1">
               <a:latin typeface="宋体" panose="02010600030101010101" pitchFamily="2" charset="-122"/>
@@ -25834,14 +25804,7 @@
                 <a:latin typeface="宋体" panose="02010600030101010101" pitchFamily="2" charset="-122"/>
                 <a:sym typeface="+mn-ea"/>
               </a:rPr>
-              <a:t>利用流量分析工具，根据分析结果制定下一阶段的SEO策略</a:t>
-            </a:r>
-            <a:r>
-              <a:rPr lang="zh-CN" altLang="en-US" sz="2400" b="1">
-                <a:latin typeface="宋体" panose="02010600030101010101" pitchFamily="2" charset="-122"/>
-                <a:sym typeface="+mn-ea"/>
-              </a:rPr>
-              <a:t>。</a:t>
+              <a:t>利用流量分析工具，根据分析结果制定下一阶段的SEO策略。</a:t>
             </a:r>
             <a:endParaRPr lang="en-US" altLang="zh-CN" sz="2400" b="1">
               <a:latin typeface="宋体" panose="02010600030101010101" pitchFamily="2" charset="-122"/>
@@ -29007,7 +28970,7 @@
           <a:bodyPr/>
           <a:p>
             <a:endParaRPr lang="zh-CN" altLang="en-US" dirty="0">
-              <a:latin typeface="Arial" panose="020B0604020202020204" pitchFamily="34" charset="0"/>
+              <a:latin typeface="Arial" panose="020B0604020202090204" pitchFamily="34" charset="0"/>
               <a:ea typeface="宋体" panose="02010600030101010101" pitchFamily="2" charset="-122"/>
             </a:endParaRPr>
           </a:p>
@@ -30269,7 +30232,7 @@
               <a:spcBef>
                 <a:spcPts val="1000"/>
               </a:spcBef>
-              <a:buFont typeface="Arial" panose="020B0604020202020204" pitchFamily="34" charset="0"/>
+              <a:buFont typeface="Arial" panose="020B0604020202090204" pitchFamily="34" charset="0"/>
               <a:buChar char="•"/>
               <a:defRPr sz="2800">
                 <a:solidFill>
@@ -30286,7 +30249,7 @@
               <a:spcBef>
                 <a:spcPts val="500"/>
               </a:spcBef>
-              <a:buFont typeface="Arial" panose="020B0604020202020204" pitchFamily="34" charset="0"/>
+              <a:buFont typeface="Arial" panose="020B0604020202090204" pitchFamily="34" charset="0"/>
               <a:buChar char="•"/>
               <a:defRPr sz="2400">
                 <a:solidFill>
@@ -30303,7 +30266,7 @@
               <a:spcBef>
                 <a:spcPts val="500"/>
               </a:spcBef>
-              <a:buFont typeface="Arial" panose="020B0604020202020204" pitchFamily="34" charset="0"/>
+              <a:buFont typeface="Arial" panose="020B0604020202090204" pitchFamily="34" charset="0"/>
               <a:buChar char="•"/>
               <a:defRPr sz="2000">
                 <a:solidFill>
@@ -30320,7 +30283,7 @@
               <a:spcBef>
                 <a:spcPts val="500"/>
               </a:spcBef>
-              <a:buFont typeface="Arial" panose="020B0604020202020204" pitchFamily="34" charset="0"/>
+              <a:buFont typeface="Arial" panose="020B0604020202090204" pitchFamily="34" charset="0"/>
               <a:buChar char="•"/>
               <a:defRPr>
                 <a:solidFill>
@@ -30337,7 +30300,7 @@
               <a:spcBef>
                 <a:spcPts val="500"/>
               </a:spcBef>
-              <a:buFont typeface="Arial" panose="020B0604020202020204" pitchFamily="34" charset="0"/>
+              <a:buFont typeface="Arial" panose="020B0604020202090204" pitchFamily="34" charset="0"/>
               <a:buChar char="•"/>
               <a:defRPr>
                 <a:solidFill>
@@ -30357,7 +30320,7 @@
               <a:spcAft>
                 <a:spcPct val="0"/>
               </a:spcAft>
-              <a:buFont typeface="Arial" panose="020B0604020202020204" pitchFamily="34" charset="0"/>
+              <a:buFont typeface="Arial" panose="020B0604020202090204" pitchFamily="34" charset="0"/>
               <a:buChar char="•"/>
               <a:defRPr>
                 <a:solidFill>
@@ -30377,7 +30340,7 @@
               <a:spcAft>
                 <a:spcPct val="0"/>
               </a:spcAft>
-              <a:buFont typeface="Arial" panose="020B0604020202020204" pitchFamily="34" charset="0"/>
+              <a:buFont typeface="Arial" panose="020B0604020202090204" pitchFamily="34" charset="0"/>
               <a:buChar char="•"/>
               <a:defRPr>
                 <a:solidFill>
@@ -30397,7 +30360,7 @@
               <a:spcAft>
                 <a:spcPct val="0"/>
               </a:spcAft>
-              <a:buFont typeface="Arial" panose="020B0604020202020204" pitchFamily="34" charset="0"/>
+              <a:buFont typeface="Arial" panose="020B0604020202090204" pitchFamily="34" charset="0"/>
               <a:buChar char="•"/>
               <a:defRPr>
                 <a:solidFill>
@@ -30417,7 +30380,7 @@
               <a:spcAft>
                 <a:spcPct val="0"/>
               </a:spcAft>
-              <a:buFont typeface="Arial" panose="020B0604020202020204" pitchFamily="34" charset="0"/>
+              <a:buFont typeface="Arial" panose="020B0604020202090204" pitchFamily="34" charset="0"/>
               <a:buChar char="•"/>
               <a:defRPr>
                 <a:solidFill>
@@ -30864,7 +30827,7 @@
               <a:spcBef>
                 <a:spcPts val="1000"/>
               </a:spcBef>
-              <a:buFont typeface="Arial" panose="020B0604020202020204" pitchFamily="34" charset="0"/>
+              <a:buFont typeface="Arial" panose="020B0604020202090204" pitchFamily="34" charset="0"/>
               <a:buChar char="•"/>
               <a:defRPr sz="2800">
                 <a:solidFill>
@@ -30881,7 +30844,7 @@
               <a:spcBef>
                 <a:spcPts val="500"/>
               </a:spcBef>
-              <a:buFont typeface="Arial" panose="020B0604020202020204" pitchFamily="34" charset="0"/>
+              <a:buFont typeface="Arial" panose="020B0604020202090204" pitchFamily="34" charset="0"/>
               <a:buChar char="•"/>
               <a:defRPr sz="2400">
                 <a:solidFill>
@@ -30898,7 +30861,7 @@
               <a:spcBef>
                 <a:spcPts val="500"/>
               </a:spcBef>
-              <a:buFont typeface="Arial" panose="020B0604020202020204" pitchFamily="34" charset="0"/>
+              <a:buFont typeface="Arial" panose="020B0604020202090204" pitchFamily="34" charset="0"/>
               <a:buChar char="•"/>
               <a:defRPr sz="2000">
                 <a:solidFill>
@@ -30915,7 +30878,7 @@
               <a:spcBef>
                 <a:spcPts val="500"/>
               </a:spcBef>
-              <a:buFont typeface="Arial" panose="020B0604020202020204" pitchFamily="34" charset="0"/>
+              <a:buFont typeface="Arial" panose="020B0604020202090204" pitchFamily="34" charset="0"/>
               <a:buChar char="•"/>
               <a:defRPr>
                 <a:solidFill>
@@ -30932,7 +30895,7 @@
               <a:spcBef>
                 <a:spcPts val="500"/>
               </a:spcBef>
-              <a:buFont typeface="Arial" panose="020B0604020202020204" pitchFamily="34" charset="0"/>
+              <a:buFont typeface="Arial" panose="020B0604020202090204" pitchFamily="34" charset="0"/>
               <a:buChar char="•"/>
               <a:defRPr>
                 <a:solidFill>
@@ -30952,7 +30915,7 @@
               <a:spcAft>
                 <a:spcPct val="0"/>
               </a:spcAft>
-              <a:buFont typeface="Arial" panose="020B0604020202020204" pitchFamily="34" charset="0"/>
+              <a:buFont typeface="Arial" panose="020B0604020202090204" pitchFamily="34" charset="0"/>
               <a:buChar char="•"/>
               <a:defRPr>
                 <a:solidFill>
@@ -30972,7 +30935,7 @@
               <a:spcAft>
                 <a:spcPct val="0"/>
               </a:spcAft>
-              <a:buFont typeface="Arial" panose="020B0604020202020204" pitchFamily="34" charset="0"/>
+              <a:buFont typeface="Arial" panose="020B0604020202090204" pitchFamily="34" charset="0"/>
               <a:buChar char="•"/>
               <a:defRPr>
                 <a:solidFill>
@@ -30992,7 +30955,7 @@
               <a:spcAft>
                 <a:spcPct val="0"/>
               </a:spcAft>
-              <a:buFont typeface="Arial" panose="020B0604020202020204" pitchFamily="34" charset="0"/>
+              <a:buFont typeface="Arial" panose="020B0604020202090204" pitchFamily="34" charset="0"/>
               <a:buChar char="•"/>
               <a:defRPr>
                 <a:solidFill>
@@ -31012,7 +30975,7 @@
               <a:spcAft>
                 <a:spcPct val="0"/>
               </a:spcAft>
-              <a:buFont typeface="Arial" panose="020B0604020202020204" pitchFamily="34" charset="0"/>
+              <a:buFont typeface="Arial" panose="020B0604020202090204" pitchFamily="34" charset="0"/>
               <a:buChar char="•"/>
               <a:defRPr>
                 <a:solidFill>
@@ -31664,7 +31627,7 @@
           <a:bodyPr/>
           <a:p>
             <a:endParaRPr lang="zh-CN" altLang="en-US" dirty="0">
-              <a:latin typeface="Arial" panose="020B0604020202020204" pitchFamily="34" charset="0"/>
+              <a:latin typeface="Arial" panose="020B0604020202090204" pitchFamily="34" charset="0"/>
               <a:ea typeface="宋体" panose="02010600030101010101" pitchFamily="2" charset="-122"/>
             </a:endParaRPr>
           </a:p>
@@ -32899,7 +32862,7 @@
               <a:spcBef>
                 <a:spcPts val="1000"/>
               </a:spcBef>
-              <a:buFont typeface="Arial" panose="020B0604020202020204" pitchFamily="34" charset="0"/>
+              <a:buFont typeface="Arial" panose="020B0604020202090204" pitchFamily="34" charset="0"/>
               <a:buChar char="•"/>
               <a:defRPr sz="2800">
                 <a:solidFill>
@@ -32916,7 +32879,7 @@
               <a:spcBef>
                 <a:spcPts val="500"/>
               </a:spcBef>
-              <a:buFont typeface="Arial" panose="020B0604020202020204" pitchFamily="34" charset="0"/>
+              <a:buFont typeface="Arial" panose="020B0604020202090204" pitchFamily="34" charset="0"/>
               <a:buChar char="•"/>
               <a:defRPr sz="2400">
                 <a:solidFill>
@@ -32933,7 +32896,7 @@
               <a:spcBef>
                 <a:spcPts val="500"/>
               </a:spcBef>
-              <a:buFont typeface="Arial" panose="020B0604020202020204" pitchFamily="34" charset="0"/>
+              <a:buFont typeface="Arial" panose="020B0604020202090204" pitchFamily="34" charset="0"/>
               <a:buChar char="•"/>
               <a:defRPr sz="2000">
                 <a:solidFill>
@@ -32950,7 +32913,7 @@
               <a:spcBef>
                 <a:spcPts val="500"/>
               </a:spcBef>
-              <a:buFont typeface="Arial" panose="020B0604020202020204" pitchFamily="34" charset="0"/>
+              <a:buFont typeface="Arial" panose="020B0604020202090204" pitchFamily="34" charset="0"/>
               <a:buChar char="•"/>
               <a:defRPr>
                 <a:solidFill>
@@ -32967,7 +32930,7 @@
               <a:spcBef>
                 <a:spcPts val="500"/>
               </a:spcBef>
-              <a:buFont typeface="Arial" panose="020B0604020202020204" pitchFamily="34" charset="0"/>
+              <a:buFont typeface="Arial" panose="020B0604020202090204" pitchFamily="34" charset="0"/>
               <a:buChar char="•"/>
               <a:defRPr>
                 <a:solidFill>
@@ -32987,7 +32950,7 @@
               <a:spcAft>
                 <a:spcPct val="0"/>
               </a:spcAft>
-              <a:buFont typeface="Arial" panose="020B0604020202020204" pitchFamily="34" charset="0"/>
+              <a:buFont typeface="Arial" panose="020B0604020202090204" pitchFamily="34" charset="0"/>
               <a:buChar char="•"/>
               <a:defRPr>
                 <a:solidFill>
@@ -33007,7 +32970,7 @@
               <a:spcAft>
                 <a:spcPct val="0"/>
               </a:spcAft>
-              <a:buFont typeface="Arial" panose="020B0604020202020204" pitchFamily="34" charset="0"/>
+              <a:buFont typeface="Arial" panose="020B0604020202090204" pitchFamily="34" charset="0"/>
               <a:buChar char="•"/>
               <a:defRPr>
                 <a:solidFill>
@@ -33027,7 +32990,7 @@
               <a:spcAft>
                 <a:spcPct val="0"/>
               </a:spcAft>
-              <a:buFont typeface="Arial" panose="020B0604020202020204" pitchFamily="34" charset="0"/>
+              <a:buFont typeface="Arial" panose="020B0604020202090204" pitchFamily="34" charset="0"/>
               <a:buChar char="•"/>
               <a:defRPr>
                 <a:solidFill>
@@ -33047,7 +33010,7 @@
               <a:spcAft>
                 <a:spcPct val="0"/>
               </a:spcAft>
-              <a:buFont typeface="Arial" panose="020B0604020202020204" pitchFamily="34" charset="0"/>
+              <a:buFont typeface="Arial" panose="020B0604020202090204" pitchFamily="34" charset="0"/>
               <a:buChar char="•"/>
               <a:defRPr>
                 <a:solidFill>
@@ -33494,7 +33457,7 @@
               <a:spcBef>
                 <a:spcPts val="1000"/>
               </a:spcBef>
-              <a:buFont typeface="Arial" panose="020B0604020202020204" pitchFamily="34" charset="0"/>
+              <a:buFont typeface="Arial" panose="020B0604020202090204" pitchFamily="34" charset="0"/>
               <a:buChar char="•"/>
               <a:defRPr sz="2800">
                 <a:solidFill>
@@ -33511,7 +33474,7 @@
               <a:spcBef>
                 <a:spcPts val="500"/>
               </a:spcBef>
-              <a:buFont typeface="Arial" panose="020B0604020202020204" pitchFamily="34" charset="0"/>
+              <a:buFont typeface="Arial" panose="020B0604020202090204" pitchFamily="34" charset="0"/>
               <a:buChar char="•"/>
               <a:defRPr sz="2400">
                 <a:solidFill>
@@ -33528,7 +33491,7 @@
               <a:spcBef>
                 <a:spcPts val="500"/>
               </a:spcBef>
-              <a:buFont typeface="Arial" panose="020B0604020202020204" pitchFamily="34" charset="0"/>
+              <a:buFont typeface="Arial" panose="020B0604020202090204" pitchFamily="34" charset="0"/>
               <a:buChar char="•"/>
               <a:defRPr sz="2000">
                 <a:solidFill>
@@ -33545,7 +33508,7 @@
               <a:spcBef>
                 <a:spcPts val="500"/>
               </a:spcBef>
-              <a:buFont typeface="Arial" panose="020B0604020202020204" pitchFamily="34" charset="0"/>
+              <a:buFont typeface="Arial" panose="020B0604020202090204" pitchFamily="34" charset="0"/>
               <a:buChar char="•"/>
               <a:defRPr>
                 <a:solidFill>
@@ -33562,7 +33525,7 @@
               <a:spcBef>
                 <a:spcPts val="500"/>
               </a:spcBef>
-              <a:buFont typeface="Arial" panose="020B0604020202020204" pitchFamily="34" charset="0"/>
+              <a:buFont typeface="Arial" panose="020B0604020202090204" pitchFamily="34" charset="0"/>
               <a:buChar char="•"/>
               <a:defRPr>
                 <a:solidFill>
@@ -33582,7 +33545,7 @@
               <a:spcAft>
                 <a:spcPct val="0"/>
               </a:spcAft>
-              <a:buFont typeface="Arial" panose="020B0604020202020204" pitchFamily="34" charset="0"/>
+              <a:buFont typeface="Arial" panose="020B0604020202090204" pitchFamily="34" charset="0"/>
               <a:buChar char="•"/>
               <a:defRPr>
                 <a:solidFill>
@@ -33602,7 +33565,7 @@
               <a:spcAft>
                 <a:spcPct val="0"/>
               </a:spcAft>
-              <a:buFont typeface="Arial" panose="020B0604020202020204" pitchFamily="34" charset="0"/>
+              <a:buFont typeface="Arial" panose="020B0604020202090204" pitchFamily="34" charset="0"/>
               <a:buChar char="•"/>
               <a:defRPr>
                 <a:solidFill>
@@ -33622,7 +33585,7 @@
               <a:spcAft>
                 <a:spcPct val="0"/>
               </a:spcAft>
-              <a:buFont typeface="Arial" panose="020B0604020202020204" pitchFamily="34" charset="0"/>
+              <a:buFont typeface="Arial" panose="020B0604020202090204" pitchFamily="34" charset="0"/>
               <a:buChar char="•"/>
               <a:defRPr>
                 <a:solidFill>
@@ -33642,7 +33605,7 @@
               <a:spcAft>
                 <a:spcPct val="0"/>
               </a:spcAft>
-              <a:buFont typeface="Arial" panose="020B0604020202020204" pitchFamily="34" charset="0"/>
+              <a:buFont typeface="Arial" panose="020B0604020202090204" pitchFamily="34" charset="0"/>
               <a:buChar char="•"/>
               <a:defRPr>
                 <a:solidFill>
@@ -34744,7 +34707,7 @@
         </p:nvSpPr>
         <p:spPr>
           <a:xfrm>
-            <a:off x="5103629" y="3239326"/>
+            <a:off x="5136649" y="3239326"/>
             <a:ext cx="1162892" cy="1162892"/>
           </a:xfrm>
           <a:prstGeom prst="ellipse">
@@ -35187,7 +35150,7 @@
               </a:spcAft>
               <a:buClrTx/>
               <a:buSzTx/>
-              <a:buFont typeface="Arial" panose="020B0604020202020204" pitchFamily="34" charset="0"/>
+              <a:buFont typeface="Arial" panose="020B0604020202090204" pitchFamily="34" charset="0"/>
               <a:buNone/>
               <a:defRPr/>
             </a:pPr>
@@ -36480,7 +36443,7 @@
               <a:effectLst/>
               <a:uLnTx/>
               <a:uFillTx/>
-              <a:latin typeface="Arial" panose="020B0604020202020204" pitchFamily="34" charset="0"/>
+              <a:latin typeface="Arial" panose="020B0604020202090204" pitchFamily="34" charset="0"/>
               <a:ea typeface="微软雅黑" panose="020B0503020204020204" pitchFamily="34" charset="-122"/>
             </a:endParaRPr>
           </a:p>
@@ -38137,7 +38100,7 @@
               <a:spcBef>
                 <a:spcPts val="1000"/>
               </a:spcBef>
-              <a:buFont typeface="Arial" panose="020B0604020202020204" pitchFamily="34" charset="0"/>
+              <a:buFont typeface="Arial" panose="020B0604020202090204" pitchFamily="34" charset="0"/>
               <a:buChar char="•"/>
               <a:defRPr sz="2800">
                 <a:solidFill>
@@ -38154,7 +38117,7 @@
               <a:spcBef>
                 <a:spcPts val="500"/>
               </a:spcBef>
-              <a:buFont typeface="Arial" panose="020B0604020202020204" pitchFamily="34" charset="0"/>
+              <a:buFont typeface="Arial" panose="020B0604020202090204" pitchFamily="34" charset="0"/>
               <a:buChar char="•"/>
               <a:defRPr sz="2400">
                 <a:solidFill>
@@ -38171,7 +38134,7 @@
               <a:spcBef>
                 <a:spcPts val="500"/>
               </a:spcBef>
-              <a:buFont typeface="Arial" panose="020B0604020202020204" pitchFamily="34" charset="0"/>
+              <a:buFont typeface="Arial" panose="020B0604020202090204" pitchFamily="34" charset="0"/>
               <a:buChar char="•"/>
               <a:defRPr sz="2000">
                 <a:solidFill>
@@ -38188,7 +38151,7 @@
               <a:spcBef>
                 <a:spcPts val="500"/>
               </a:spcBef>
-              <a:buFont typeface="Arial" panose="020B0604020202020204" pitchFamily="34" charset="0"/>
+              <a:buFont typeface="Arial" panose="020B0604020202090204" pitchFamily="34" charset="0"/>
               <a:buChar char="•"/>
               <a:defRPr>
                 <a:solidFill>
@@ -38205,7 +38168,7 @@
               <a:spcBef>
                 <a:spcPts val="500"/>
               </a:spcBef>
-              <a:buFont typeface="Arial" panose="020B0604020202020204" pitchFamily="34" charset="0"/>
+              <a:buFont typeface="Arial" panose="020B0604020202090204" pitchFamily="34" charset="0"/>
               <a:buChar char="•"/>
               <a:defRPr>
                 <a:solidFill>
@@ -38225,7 +38188,7 @@
               <a:spcAft>
                 <a:spcPct val="0"/>
               </a:spcAft>
-              <a:buFont typeface="Arial" panose="020B0604020202020204" pitchFamily="34" charset="0"/>
+              <a:buFont typeface="Arial" panose="020B0604020202090204" pitchFamily="34" charset="0"/>
               <a:buChar char="•"/>
               <a:defRPr>
                 <a:solidFill>
@@ -38245,7 +38208,7 @@
               <a:spcAft>
                 <a:spcPct val="0"/>
               </a:spcAft>
-              <a:buFont typeface="Arial" panose="020B0604020202020204" pitchFamily="34" charset="0"/>
+              <a:buFont typeface="Arial" panose="020B0604020202090204" pitchFamily="34" charset="0"/>
               <a:buChar char="•"/>
               <a:defRPr>
                 <a:solidFill>
@@ -38265,7 +38228,7 @@
               <a:spcAft>
                 <a:spcPct val="0"/>
               </a:spcAft>
-              <a:buFont typeface="Arial" panose="020B0604020202020204" pitchFamily="34" charset="0"/>
+              <a:buFont typeface="Arial" panose="020B0604020202090204" pitchFamily="34" charset="0"/>
               <a:buChar char="•"/>
               <a:defRPr>
                 <a:solidFill>
@@ -38285,7 +38248,7 @@
               <a:spcAft>
                 <a:spcPct val="0"/>
               </a:spcAft>
-              <a:buFont typeface="Arial" panose="020B0604020202020204" pitchFamily="34" charset="0"/>
+              <a:buFont typeface="Arial" panose="020B0604020202090204" pitchFamily="34" charset="0"/>
               <a:buChar char="•"/>
               <a:defRPr>
                 <a:solidFill>
@@ -39295,7 +39258,7 @@
               <a:spcBef>
                 <a:spcPts val="1000"/>
               </a:spcBef>
-              <a:buFont typeface="Arial" panose="020B0604020202020204" pitchFamily="34" charset="0"/>
+              <a:buFont typeface="Arial" panose="020B0604020202090204" pitchFamily="34" charset="0"/>
               <a:buChar char="•"/>
               <a:defRPr sz="2800">
                 <a:solidFill>
@@ -39312,7 +39275,7 @@
               <a:spcBef>
                 <a:spcPts val="500"/>
               </a:spcBef>
-              <a:buFont typeface="Arial" panose="020B0604020202020204" pitchFamily="34" charset="0"/>
+              <a:buFont typeface="Arial" panose="020B0604020202090204" pitchFamily="34" charset="0"/>
               <a:buChar char="•"/>
               <a:defRPr sz="2400">
                 <a:solidFill>
@@ -39329,7 +39292,7 @@
               <a:spcBef>
                 <a:spcPts val="500"/>
               </a:spcBef>
-              <a:buFont typeface="Arial" panose="020B0604020202020204" pitchFamily="34" charset="0"/>
+              <a:buFont typeface="Arial" panose="020B0604020202090204" pitchFamily="34" charset="0"/>
               <a:buChar char="•"/>
               <a:defRPr sz="2000">
                 <a:solidFill>
@@ -39346,7 +39309,7 @@
               <a:spcBef>
                 <a:spcPts val="500"/>
               </a:spcBef>
-              <a:buFont typeface="Arial" panose="020B0604020202020204" pitchFamily="34" charset="0"/>
+              <a:buFont typeface="Arial" panose="020B0604020202090204" pitchFamily="34" charset="0"/>
               <a:buChar char="•"/>
               <a:defRPr>
                 <a:solidFill>
@@ -39363,7 +39326,7 @@
               <a:spcBef>
                 <a:spcPts val="500"/>
               </a:spcBef>
-              <a:buFont typeface="Arial" panose="020B0604020202020204" pitchFamily="34" charset="0"/>
+              <a:buFont typeface="Arial" panose="020B0604020202090204" pitchFamily="34" charset="0"/>
               <a:buChar char="•"/>
               <a:defRPr>
                 <a:solidFill>
@@ -39383,7 +39346,7 @@
               <a:spcAft>
                 <a:spcPct val="0"/>
               </a:spcAft>
-              <a:buFont typeface="Arial" panose="020B0604020202020204" pitchFamily="34" charset="0"/>
+              <a:buFont typeface="Arial" panose="020B0604020202090204" pitchFamily="34" charset="0"/>
               <a:buChar char="•"/>
               <a:defRPr>
                 <a:solidFill>
@@ -39403,7 +39366,7 @@
               <a:spcAft>
                 <a:spcPct val="0"/>
               </a:spcAft>
-              <a:buFont typeface="Arial" panose="020B0604020202020204" pitchFamily="34" charset="0"/>
+              <a:buFont typeface="Arial" panose="020B0604020202090204" pitchFamily="34" charset="0"/>
               <a:buChar char="•"/>
               <a:defRPr>
                 <a:solidFill>
@@ -39423,7 +39386,7 @@
               <a:spcAft>
                 <a:spcPct val="0"/>
               </a:spcAft>
-              <a:buFont typeface="Arial" panose="020B0604020202020204" pitchFamily="34" charset="0"/>
+              <a:buFont typeface="Arial" panose="020B0604020202090204" pitchFamily="34" charset="0"/>
               <a:buChar char="•"/>
               <a:defRPr>
                 <a:solidFill>
@@ -39443,7 +39406,7 @@
               <a:spcAft>
                 <a:spcPct val="0"/>
               </a:spcAft>
-              <a:buFont typeface="Arial" panose="020B0604020202020204" pitchFamily="34" charset="0"/>
+              <a:buFont typeface="Arial" panose="020B0604020202090204" pitchFamily="34" charset="0"/>
               <a:buChar char="•"/>
               <a:defRPr>
                 <a:solidFill>
